--- a/Báo-Cáo.pptx
+++ b/Báo-Cáo.pptx
@@ -5,7 +5,7 @@
     <p:sldMasterId id="2147483648" r:id="rId1"/>
   </p:sldMasterIdLst>
   <p:notesMasterIdLst>
-    <p:notesMasterId r:id="rId29"/>
+    <p:notesMasterId r:id="rId41"/>
   </p:notesMasterIdLst>
   <p:sldIdLst>
     <p:sldId id="257" r:id="rId2"/>
@@ -35,6 +35,18 @@
     <p:sldId id="281" r:id="rId26"/>
     <p:sldId id="282" r:id="rId27"/>
     <p:sldId id="283" r:id="rId28"/>
+    <p:sldId id="284" r:id="rId29"/>
+    <p:sldId id="285" r:id="rId30"/>
+    <p:sldId id="286" r:id="rId31"/>
+    <p:sldId id="287" r:id="rId32"/>
+    <p:sldId id="288" r:id="rId33"/>
+    <p:sldId id="291" r:id="rId34"/>
+    <p:sldId id="289" r:id="rId35"/>
+    <p:sldId id="290" r:id="rId36"/>
+    <p:sldId id="292" r:id="rId37"/>
+    <p:sldId id="293" r:id="rId38"/>
+    <p:sldId id="294" r:id="rId39"/>
+    <p:sldId id="295" r:id="rId40"/>
   </p:sldIdLst>
   <p:sldSz cx="9144000" cy="6858000" type="screen4x3"/>
   <p:notesSz cx="6858000" cy="9144000"/>
@@ -8584,26 +8596,6 @@
               <a:t> </a:t>
             </a:r>
             <a:r>
-              <a:rPr lang="en-US" sz="5000" b="1" dirty="0" err="1" smtClean="0">
-                <a:solidFill>
-                  <a:schemeClr val="bg1"/>
-                </a:solidFill>
-                <a:latin typeface="+mj-lt"/>
-                <a:cs typeface="Times New Roman" pitchFamily="18" charset="0"/>
-              </a:rPr>
-              <a:t>nguyên</a:t>
-            </a:r>
-            <a:r>
-              <a:rPr lang="en-US" sz="5000" b="1" dirty="0" smtClean="0">
-                <a:solidFill>
-                  <a:schemeClr val="bg1"/>
-                </a:solidFill>
-                <a:latin typeface="+mj-lt"/>
-                <a:cs typeface="Times New Roman" pitchFamily="18" charset="0"/>
-              </a:rPr>
-              <a:t> </a:t>
-            </a:r>
-            <a:r>
               <a:rPr lang="vi-VN" sz="5000" b="1" dirty="0" smtClean="0">
                 <a:solidFill>
                   <a:schemeClr val="bg1"/>
@@ -8611,7 +8603,7 @@
                 <a:latin typeface="+mj-lt"/>
                 <a:cs typeface="Times New Roman" pitchFamily="18" charset="0"/>
               </a:rPr>
-              <a:t>âm</a:t>
+              <a:t>có dấu</a:t>
             </a:r>
             <a:endParaRPr lang="en-US" sz="5000" b="1" dirty="0">
               <a:solidFill>
@@ -8660,44 +8652,39 @@
           <a:chExt cx="0" cy="0"/>
         </a:xfrm>
       </p:grpSpPr>
-      <p:sp>
-        <p:nvSpPr>
-          <p:cNvPr id="2" name="Title 1"/>
-          <p:cNvSpPr>
-            <a:spLocks noGrp="1"/>
-          </p:cNvSpPr>
-          <p:nvPr>
-            <p:ph type="title"/>
-          </p:nvPr>
-        </p:nvSpPr>
-        <p:spPr/>
-        <p:txBody>
-          <a:bodyPr/>
-          <a:lstStyle/>
-          <a:p>
-            <a:endParaRPr lang="en-US"/>
-          </a:p>
-        </p:txBody>
-      </p:sp>
-      <p:sp>
-        <p:nvSpPr>
-          <p:cNvPr id="3" name="Content Placeholder 2"/>
-          <p:cNvSpPr>
-            <a:spLocks noGrp="1"/>
-          </p:cNvSpPr>
-          <p:nvPr>
-            <p:ph idx="1"/>
-          </p:nvPr>
-        </p:nvSpPr>
-        <p:spPr/>
-        <p:txBody>
-          <a:bodyPr/>
-          <a:lstStyle/>
-          <a:p>
-            <a:endParaRPr lang="en-US"/>
-          </a:p>
-        </p:txBody>
-      </p:sp>
+      <p:pic>
+        <p:nvPicPr>
+          <p:cNvPr id="4" name="Picture 3"/>
+          <p:cNvPicPr/>
+          <p:nvPr/>
+        </p:nvPicPr>
+        <p:blipFill>
+          <a:blip r:embed="rId2">
+            <a:extLst>
+              <a:ext uri="{28A0092B-C50C-407E-A947-70E740481C1C}">
+                <a14:useLocalDpi xmlns:a14="http://schemas.microsoft.com/office/drawing/2010/main" val="0"/>
+              </a:ext>
+            </a:extLst>
+          </a:blip>
+          <a:srcRect/>
+          <a:stretch>
+            <a:fillRect/>
+          </a:stretch>
+        </p:blipFill>
+        <p:spPr bwMode="auto">
+          <a:xfrm>
+            <a:off x="1371600" y="1066800"/>
+            <a:ext cx="6553200" cy="4419600"/>
+          </a:xfrm>
+          <a:prstGeom prst="rect">
+            <a:avLst/>
+          </a:prstGeom>
+          <a:noFill/>
+          <a:ln>
+            <a:noFill/>
+          </a:ln>
+        </p:spPr>
+      </p:pic>
     </p:spTree>
     <p:extLst>
       <p:ext uri="{BB962C8B-B14F-4D97-AF65-F5344CB8AC3E}">
@@ -8737,7 +8724,7 @@
       </p:grpSpPr>
       <p:sp>
         <p:nvSpPr>
-          <p:cNvPr id="2" name="Title 1"/>
+          <p:cNvPr id="5" name="Title 1"/>
           <p:cNvSpPr>
             <a:spLocks noGrp="1"/>
           </p:cNvSpPr>
@@ -8745,34 +8732,102 @@
             <p:ph type="title"/>
           </p:nvPr>
         </p:nvSpPr>
-        <p:spPr/>
+        <p:spPr>
+          <a:xfrm>
+            <a:off x="457200" y="228600"/>
+            <a:ext cx="8229600" cy="1143000"/>
+          </a:xfrm>
+        </p:spPr>
+        <p:style>
+          <a:lnRef idx="0">
+            <a:schemeClr val="dk1"/>
+          </a:lnRef>
+          <a:fillRef idx="3">
+            <a:schemeClr val="dk1"/>
+          </a:fillRef>
+          <a:effectRef idx="3">
+            <a:schemeClr val="dk1"/>
+          </a:effectRef>
+          <a:fontRef idx="minor">
+            <a:schemeClr val="lt1"/>
+          </a:fontRef>
+        </p:style>
         <p:txBody>
           <a:bodyPr/>
           <a:lstStyle/>
           <a:p>
-            <a:endParaRPr lang="en-US"/>
+            <a:r>
+              <a:rPr lang="vi-VN" dirty="0" smtClean="0"/>
+              <a:t>Số âm</a:t>
+            </a:r>
+            <a:endParaRPr lang="en-US" dirty="0"/>
           </a:p>
         </p:txBody>
       </p:sp>
       <p:sp>
         <p:nvSpPr>
-          <p:cNvPr id="3" name="Content Placeholder 2"/>
-          <p:cNvSpPr>
-            <a:spLocks noGrp="1"/>
-          </p:cNvSpPr>
-          <p:nvPr>
-            <p:ph idx="1"/>
-          </p:nvPr>
+          <p:cNvPr id="6" name="TextBox 5"/>
+          <p:cNvSpPr txBox="1"/>
+          <p:nvPr/>
         </p:nvSpPr>
-        <p:spPr/>
+        <p:spPr>
+          <a:xfrm>
+            <a:off x="876300" y="2286000"/>
+            <a:ext cx="7391400" cy="461665"/>
+          </a:xfrm>
+          <a:prstGeom prst="rect">
+            <a:avLst/>
+          </a:prstGeom>
+          <a:noFill/>
+        </p:spPr>
         <p:txBody>
-          <a:bodyPr/>
+          <a:bodyPr wrap="square" rtlCol="0">
+            <a:spAutoFit/>
+          </a:bodyPr>
           <a:lstStyle/>
           <a:p>
-            <a:endParaRPr lang="en-US"/>
+            <a:pPr marL="285750" indent="-285750">
+              <a:buFont typeface="Arial" charset="0"/>
+              <a:buChar char="•"/>
+            </a:pPr>
+            <a:r>
+              <a:rPr lang="vi-VN" sz="2400" dirty="0" smtClean="0"/>
+              <a:t>Sign-and-magnitude.</a:t>
+            </a:r>
+            <a:endParaRPr lang="en-US" sz="2400" dirty="0"/>
           </a:p>
         </p:txBody>
       </p:sp>
+      <p:pic>
+        <p:nvPicPr>
+          <p:cNvPr id="7" name="Picture 6"/>
+          <p:cNvPicPr>
+            <a:picLocks noChangeAspect="1"/>
+          </p:cNvPicPr>
+          <p:nvPr/>
+        </p:nvPicPr>
+        <p:blipFill>
+          <a:blip r:embed="rId2">
+            <a:extLst>
+              <a:ext uri="{28A0092B-C50C-407E-A947-70E740481C1C}">
+                <a14:useLocalDpi xmlns:a14="http://schemas.microsoft.com/office/drawing/2010/main" val="0"/>
+              </a:ext>
+            </a:extLst>
+          </a:blip>
+          <a:stretch>
+            <a:fillRect/>
+          </a:stretch>
+        </p:blipFill>
+        <p:spPr>
+          <a:xfrm>
+            <a:off x="2101850" y="3662065"/>
+            <a:ext cx="4940300" cy="1092200"/>
+          </a:xfrm>
+          <a:prstGeom prst="rect">
+            <a:avLst/>
+          </a:prstGeom>
+        </p:spPr>
+      </p:pic>
     </p:spTree>
     <p:extLst>
       <p:ext uri="{BB962C8B-B14F-4D97-AF65-F5344CB8AC3E}">
@@ -8812,7 +8867,7 @@
       </p:grpSpPr>
       <p:sp>
         <p:nvSpPr>
-          <p:cNvPr id="2" name="Title 1"/>
+          <p:cNvPr id="4" name="Title 1"/>
           <p:cNvSpPr>
             <a:spLocks noGrp="1"/>
           </p:cNvSpPr>
@@ -8820,34 +8875,136 @@
             <p:ph type="title"/>
           </p:nvPr>
         </p:nvSpPr>
-        <p:spPr/>
+        <p:spPr>
+          <a:xfrm>
+            <a:off x="457200" y="228600"/>
+            <a:ext cx="8229600" cy="1143000"/>
+          </a:xfrm>
+        </p:spPr>
+        <p:style>
+          <a:lnRef idx="0">
+            <a:schemeClr val="dk1"/>
+          </a:lnRef>
+          <a:fillRef idx="3">
+            <a:schemeClr val="dk1"/>
+          </a:fillRef>
+          <a:effectRef idx="3">
+            <a:schemeClr val="dk1"/>
+          </a:effectRef>
+          <a:fontRef idx="minor">
+            <a:schemeClr val="lt1"/>
+          </a:fontRef>
+        </p:style>
         <p:txBody>
           <a:bodyPr/>
           <a:lstStyle/>
           <a:p>
-            <a:endParaRPr lang="en-US"/>
+            <a:r>
+              <a:rPr lang="vi-VN" dirty="0" smtClean="0"/>
+              <a:t>Số âm</a:t>
+            </a:r>
+            <a:endParaRPr lang="en-US" dirty="0"/>
           </a:p>
         </p:txBody>
       </p:sp>
       <p:sp>
         <p:nvSpPr>
-          <p:cNvPr id="3" name="Content Placeholder 2"/>
-          <p:cNvSpPr>
-            <a:spLocks noGrp="1"/>
-          </p:cNvSpPr>
-          <p:nvPr>
-            <p:ph idx="1"/>
-          </p:nvPr>
+          <p:cNvPr id="5" name="TextBox 4"/>
+          <p:cNvSpPr txBox="1"/>
+          <p:nvPr/>
         </p:nvSpPr>
-        <p:spPr/>
+        <p:spPr>
+          <a:xfrm>
+            <a:off x="914400" y="2057400"/>
+            <a:ext cx="6553200" cy="461665"/>
+          </a:xfrm>
+          <a:prstGeom prst="rect">
+            <a:avLst/>
+          </a:prstGeom>
+          <a:noFill/>
+        </p:spPr>
         <p:txBody>
-          <a:bodyPr/>
+          <a:bodyPr wrap="square" rtlCol="0">
+            <a:spAutoFit/>
+          </a:bodyPr>
           <a:lstStyle/>
           <a:p>
-            <a:endParaRPr lang="en-US"/>
+            <a:pPr marL="285750" indent="-285750">
+              <a:buFont typeface="Arial" charset="0"/>
+              <a:buChar char="•"/>
+            </a:pPr>
+            <a:r>
+              <a:rPr lang="en-US" sz="2400" dirty="0" smtClean="0"/>
+              <a:t>1’</a:t>
+            </a:r>
+            <a:r>
+              <a:rPr lang="vi-VN" sz="2400" dirty="0" smtClean="0"/>
+              <a:t>s Complement</a:t>
+            </a:r>
+            <a:endParaRPr lang="en-US" sz="2400" dirty="0"/>
           </a:p>
         </p:txBody>
       </p:sp>
+      <p:pic>
+        <p:nvPicPr>
+          <p:cNvPr id="6" name="Picture 5"/>
+          <p:cNvPicPr>
+            <a:picLocks noChangeAspect="1"/>
+          </p:cNvPicPr>
+          <p:nvPr/>
+        </p:nvPicPr>
+        <p:blipFill>
+          <a:blip r:embed="rId2">
+            <a:extLst>
+              <a:ext uri="{28A0092B-C50C-407E-A947-70E740481C1C}">
+                <a14:useLocalDpi xmlns:a14="http://schemas.microsoft.com/office/drawing/2010/main" val="0"/>
+              </a:ext>
+            </a:extLst>
+          </a:blip>
+          <a:stretch>
+            <a:fillRect/>
+          </a:stretch>
+        </p:blipFill>
+        <p:spPr>
+          <a:xfrm>
+            <a:off x="3587750" y="2874665"/>
+            <a:ext cx="1968500" cy="660400"/>
+          </a:xfrm>
+          <a:prstGeom prst="rect">
+            <a:avLst/>
+          </a:prstGeom>
+        </p:spPr>
+      </p:pic>
+      <p:pic>
+        <p:nvPicPr>
+          <p:cNvPr id="8" name="Picture 7"/>
+          <p:cNvPicPr>
+            <a:picLocks noChangeAspect="1"/>
+          </p:cNvPicPr>
+          <p:nvPr/>
+        </p:nvPicPr>
+        <p:blipFill>
+          <a:blip r:embed="rId3">
+            <a:extLst>
+              <a:ext uri="{28A0092B-C50C-407E-A947-70E740481C1C}">
+                <a14:useLocalDpi xmlns:a14="http://schemas.microsoft.com/office/drawing/2010/main" val="0"/>
+              </a:ext>
+            </a:extLst>
+          </a:blip>
+          <a:stretch>
+            <a:fillRect/>
+          </a:stretch>
+        </p:blipFill>
+        <p:spPr>
+          <a:xfrm>
+            <a:off x="2628900" y="3810000"/>
+            <a:ext cx="3886200" cy="2387600"/>
+          </a:xfrm>
+          <a:prstGeom prst="rect">
+            <a:avLst/>
+          </a:prstGeom>
+        </p:spPr>
+      </p:pic>
     </p:spTree>
     <p:extLst>
       <p:ext uri="{BB962C8B-B14F-4D97-AF65-F5344CB8AC3E}">
@@ -8865,6 +9022,282 @@
       </p:par>
     </p:tnLst>
   </p:timing>
+</p:sld>
+</file>
+
+<file path=ppt/slides/slide28.xml><?xml version="1.0" encoding="utf-8"?>
+<p:sld xmlns:a="http://schemas.openxmlformats.org/drawingml/2006/main" xmlns:r="http://schemas.openxmlformats.org/officeDocument/2006/relationships" xmlns:p="http://schemas.openxmlformats.org/presentationml/2006/main">
+  <p:cSld>
+    <p:spTree>
+      <p:nvGrpSpPr>
+        <p:cNvPr id="1" name=""/>
+        <p:cNvGrpSpPr/>
+        <p:nvPr/>
+      </p:nvGrpSpPr>
+      <p:grpSpPr>
+        <a:xfrm>
+          <a:off x="0" y="0"/>
+          <a:ext cx="0" cy="0"/>
+          <a:chOff x="0" y="0"/>
+          <a:chExt cx="0" cy="0"/>
+        </a:xfrm>
+      </p:grpSpPr>
+      <p:sp>
+        <p:nvSpPr>
+          <p:cNvPr id="4" name="Title 1"/>
+          <p:cNvSpPr>
+            <a:spLocks noGrp="1"/>
+          </p:cNvSpPr>
+          <p:nvPr>
+            <p:ph type="title"/>
+          </p:nvPr>
+        </p:nvSpPr>
+        <p:spPr>
+          <a:xfrm>
+            <a:off x="457200" y="228600"/>
+            <a:ext cx="8229600" cy="1143000"/>
+          </a:xfrm>
+        </p:spPr>
+        <p:style>
+          <a:lnRef idx="0">
+            <a:schemeClr val="dk1"/>
+          </a:lnRef>
+          <a:fillRef idx="3">
+            <a:schemeClr val="dk1"/>
+          </a:fillRef>
+          <a:effectRef idx="3">
+            <a:schemeClr val="dk1"/>
+          </a:effectRef>
+          <a:fontRef idx="minor">
+            <a:schemeClr val="lt1"/>
+          </a:fontRef>
+        </p:style>
+        <p:txBody>
+          <a:bodyPr/>
+          <a:lstStyle/>
+          <a:p>
+            <a:r>
+              <a:rPr lang="vi-VN" dirty="0" smtClean="0"/>
+              <a:t>Số âm</a:t>
+            </a:r>
+            <a:endParaRPr lang="en-US" dirty="0"/>
+          </a:p>
+        </p:txBody>
+      </p:sp>
+      <p:sp>
+        <p:nvSpPr>
+          <p:cNvPr id="5" name="TextBox 4"/>
+          <p:cNvSpPr txBox="1"/>
+          <p:nvPr/>
+        </p:nvSpPr>
+        <p:spPr>
+          <a:xfrm>
+            <a:off x="914400" y="2057400"/>
+            <a:ext cx="6553200" cy="461665"/>
+          </a:xfrm>
+          <a:prstGeom prst="rect">
+            <a:avLst/>
+          </a:prstGeom>
+          <a:noFill/>
+        </p:spPr>
+        <p:txBody>
+          <a:bodyPr wrap="square" rtlCol="0">
+            <a:spAutoFit/>
+          </a:bodyPr>
+          <a:lstStyle/>
+          <a:p>
+            <a:pPr marL="285750" indent="-285750">
+              <a:buFont typeface="Arial" charset="0"/>
+              <a:buChar char="•"/>
+            </a:pPr>
+            <a:r>
+              <a:rPr lang="en-US" sz="2400" dirty="0"/>
+              <a:t>2</a:t>
+            </a:r>
+            <a:r>
+              <a:rPr lang="en-US" sz="2400" dirty="0" smtClean="0"/>
+              <a:t>’</a:t>
+            </a:r>
+            <a:r>
+              <a:rPr lang="vi-VN" sz="2400" dirty="0" smtClean="0"/>
+              <a:t>s Complement</a:t>
+            </a:r>
+            <a:endParaRPr lang="en-US" sz="2400" dirty="0"/>
+          </a:p>
+        </p:txBody>
+      </p:sp>
+      <p:pic>
+        <p:nvPicPr>
+          <p:cNvPr id="6" name="Picture 5"/>
+          <p:cNvPicPr>
+            <a:picLocks noChangeAspect="1"/>
+          </p:cNvPicPr>
+          <p:nvPr/>
+        </p:nvPicPr>
+        <p:blipFill>
+          <a:blip r:embed="rId2">
+            <a:extLst>
+              <a:ext uri="{28A0092B-C50C-407E-A947-70E740481C1C}">
+                <a14:useLocalDpi xmlns:a14="http://schemas.microsoft.com/office/drawing/2010/main" val="0"/>
+              </a:ext>
+            </a:extLst>
+          </a:blip>
+          <a:stretch>
+            <a:fillRect/>
+          </a:stretch>
+        </p:blipFill>
+        <p:spPr>
+          <a:xfrm>
+            <a:off x="3860799" y="2855614"/>
+            <a:ext cx="1633133" cy="801985"/>
+          </a:xfrm>
+          <a:prstGeom prst="rect">
+            <a:avLst/>
+          </a:prstGeom>
+        </p:spPr>
+      </p:pic>
+      <p:pic>
+        <p:nvPicPr>
+          <p:cNvPr id="7" name="Picture 6"/>
+          <p:cNvPicPr>
+            <a:picLocks noChangeAspect="1"/>
+          </p:cNvPicPr>
+          <p:nvPr/>
+        </p:nvPicPr>
+        <p:blipFill>
+          <a:blip r:embed="rId3">
+            <a:extLst>
+              <a:ext uri="{28A0092B-C50C-407E-A947-70E740481C1C}">
+                <a14:useLocalDpi xmlns:a14="http://schemas.microsoft.com/office/drawing/2010/main" val="0"/>
+              </a:ext>
+            </a:extLst>
+          </a:blip>
+          <a:stretch>
+            <a:fillRect/>
+          </a:stretch>
+        </p:blipFill>
+        <p:spPr>
+          <a:xfrm>
+            <a:off x="2590800" y="3810000"/>
+            <a:ext cx="4503394" cy="2565401"/>
+          </a:xfrm>
+          <a:prstGeom prst="rect">
+            <a:avLst/>
+          </a:prstGeom>
+        </p:spPr>
+      </p:pic>
+    </p:spTree>
+    <p:extLst>
+      <p:ext uri="{BB962C8B-B14F-4D97-AF65-F5344CB8AC3E}">
+        <p14:creationId xmlns:p14="http://schemas.microsoft.com/office/powerpoint/2010/main" val="1350573793"/>
+      </p:ext>
+    </p:extLst>
+  </p:cSld>
+  <p:clrMapOvr>
+    <a:masterClrMapping/>
+  </p:clrMapOvr>
+</p:sld>
+</file>
+
+<file path=ppt/slides/slide29.xml><?xml version="1.0" encoding="utf-8"?>
+<p:sld xmlns:a="http://schemas.openxmlformats.org/drawingml/2006/main" xmlns:r="http://schemas.openxmlformats.org/officeDocument/2006/relationships" xmlns:p="http://schemas.openxmlformats.org/presentationml/2006/main">
+  <p:cSld>
+    <p:spTree>
+      <p:nvGrpSpPr>
+        <p:cNvPr id="1" name=""/>
+        <p:cNvGrpSpPr/>
+        <p:nvPr/>
+      </p:nvGrpSpPr>
+      <p:grpSpPr>
+        <a:xfrm>
+          <a:off x="0" y="0"/>
+          <a:ext cx="0" cy="0"/>
+          <a:chOff x="0" y="0"/>
+          <a:chExt cx="0" cy="0"/>
+        </a:xfrm>
+      </p:grpSpPr>
+      <p:pic>
+        <p:nvPicPr>
+          <p:cNvPr id="4" name="Picture 3"/>
+          <p:cNvPicPr>
+            <a:picLocks noChangeAspect="1"/>
+          </p:cNvPicPr>
+          <p:nvPr/>
+        </p:nvPicPr>
+        <p:blipFill>
+          <a:blip r:embed="rId2">
+            <a:extLst>
+              <a:ext uri="{28A0092B-C50C-407E-A947-70E740481C1C}">
+                <a14:useLocalDpi xmlns:a14="http://schemas.microsoft.com/office/drawing/2010/main" val="0"/>
+              </a:ext>
+            </a:extLst>
+          </a:blip>
+          <a:stretch>
+            <a:fillRect/>
+          </a:stretch>
+        </p:blipFill>
+        <p:spPr>
+          <a:xfrm>
+            <a:off x="495299" y="2286000"/>
+            <a:ext cx="8344123" cy="2222500"/>
+          </a:xfrm>
+          <a:prstGeom prst="rect">
+            <a:avLst/>
+          </a:prstGeom>
+        </p:spPr>
+      </p:pic>
+      <p:sp>
+        <p:nvSpPr>
+          <p:cNvPr id="5" name="Title 1"/>
+          <p:cNvSpPr>
+            <a:spLocks noGrp="1"/>
+          </p:cNvSpPr>
+          <p:nvPr>
+            <p:ph type="title"/>
+          </p:nvPr>
+        </p:nvSpPr>
+        <p:spPr>
+          <a:xfrm>
+            <a:off x="457200" y="228600"/>
+            <a:ext cx="8229600" cy="1143000"/>
+          </a:xfrm>
+        </p:spPr>
+        <p:style>
+          <a:lnRef idx="0">
+            <a:schemeClr val="dk1"/>
+          </a:lnRef>
+          <a:fillRef idx="3">
+            <a:schemeClr val="dk1"/>
+          </a:fillRef>
+          <a:effectRef idx="3">
+            <a:schemeClr val="dk1"/>
+          </a:effectRef>
+          <a:fontRef idx="minor">
+            <a:schemeClr val="lt1"/>
+          </a:fontRef>
+        </p:style>
+        <p:txBody>
+          <a:bodyPr/>
+          <a:lstStyle/>
+          <a:p>
+            <a:r>
+              <a:rPr lang="vi-VN" dirty="0" smtClean="0"/>
+              <a:t>Số âm</a:t>
+            </a:r>
+            <a:endParaRPr lang="en-US" dirty="0"/>
+          </a:p>
+        </p:txBody>
+      </p:sp>
+    </p:spTree>
+    <p:extLst>
+      <p:ext uri="{BB962C8B-B14F-4D97-AF65-F5344CB8AC3E}">
+        <p14:creationId xmlns:p14="http://schemas.microsoft.com/office/powerpoint/2010/main" val="1351797369"/>
+      </p:ext>
+    </p:extLst>
+  </p:cSld>
+  <p:clrMapOvr>
+    <a:masterClrMapping/>
+  </p:clrMapOvr>
 </p:sld>
 </file>
 
@@ -9129,6 +9562,1692 @@
     <p:extLst>
       <p:ext uri="{BB962C8B-B14F-4D97-AF65-F5344CB8AC3E}">
         <p14:creationId xmlns:p14="http://schemas.microsoft.com/office/powerpoint/2010/main" val="3777027991"/>
+      </p:ext>
+    </p:extLst>
+  </p:cSld>
+  <p:clrMapOvr>
+    <a:masterClrMapping/>
+  </p:clrMapOvr>
+  <p:timing>
+    <p:tnLst>
+      <p:par>
+        <p:cTn id="1" dur="indefinite" restart="never" nodeType="tmRoot"/>
+      </p:par>
+    </p:tnLst>
+  </p:timing>
+</p:sld>
+</file>
+
+<file path=ppt/slides/slide30.xml><?xml version="1.0" encoding="utf-8"?>
+<p:sld xmlns:a="http://schemas.openxmlformats.org/drawingml/2006/main" xmlns:r="http://schemas.openxmlformats.org/officeDocument/2006/relationships" xmlns:p="http://schemas.openxmlformats.org/presentationml/2006/main">
+  <p:cSld>
+    <p:spTree>
+      <p:nvGrpSpPr>
+        <p:cNvPr id="1" name=""/>
+        <p:cNvGrpSpPr/>
+        <p:nvPr/>
+      </p:nvGrpSpPr>
+      <p:grpSpPr>
+        <a:xfrm>
+          <a:off x="0" y="0"/>
+          <a:ext cx="0" cy="0"/>
+          <a:chOff x="0" y="0"/>
+          <a:chExt cx="0" cy="0"/>
+        </a:xfrm>
+      </p:grpSpPr>
+      <p:sp>
+        <p:nvSpPr>
+          <p:cNvPr id="4" name="Title 1"/>
+          <p:cNvSpPr>
+            <a:spLocks noGrp="1"/>
+          </p:cNvSpPr>
+          <p:nvPr>
+            <p:ph type="title"/>
+          </p:nvPr>
+        </p:nvSpPr>
+        <p:spPr>
+          <a:xfrm>
+            <a:off x="457200" y="228600"/>
+            <a:ext cx="8229600" cy="1143000"/>
+          </a:xfrm>
+        </p:spPr>
+        <p:style>
+          <a:lnRef idx="0">
+            <a:schemeClr val="dk1"/>
+          </a:lnRef>
+          <a:fillRef idx="3">
+            <a:schemeClr val="dk1"/>
+          </a:fillRef>
+          <a:effectRef idx="3">
+            <a:schemeClr val="dk1"/>
+          </a:effectRef>
+          <a:fontRef idx="minor">
+            <a:schemeClr val="lt1"/>
+          </a:fontRef>
+        </p:style>
+        <p:txBody>
+          <a:bodyPr/>
+          <a:lstStyle/>
+          <a:p>
+            <a:r>
+              <a:rPr lang="vi-VN" dirty="0" smtClean="0"/>
+              <a:t>Phép cộng và phép trừ</a:t>
+            </a:r>
+            <a:endParaRPr lang="en-US" dirty="0"/>
+          </a:p>
+        </p:txBody>
+      </p:sp>
+      <p:sp>
+        <p:nvSpPr>
+          <p:cNvPr id="5" name="TextBox 4"/>
+          <p:cNvSpPr txBox="1"/>
+          <p:nvPr/>
+        </p:nvSpPr>
+        <p:spPr>
+          <a:xfrm>
+            <a:off x="1219200" y="2057400"/>
+            <a:ext cx="6705600" cy="461665"/>
+          </a:xfrm>
+          <a:prstGeom prst="rect">
+            <a:avLst/>
+          </a:prstGeom>
+          <a:noFill/>
+        </p:spPr>
+        <p:txBody>
+          <a:bodyPr wrap="square" rtlCol="0">
+            <a:spAutoFit/>
+          </a:bodyPr>
+          <a:lstStyle/>
+          <a:p>
+            <a:r>
+              <a:rPr lang="en-US" sz="2400" b="1" dirty="0"/>
+              <a:t>sign-and-magnitude </a:t>
+            </a:r>
+            <a:r>
+              <a:rPr lang="en-US" sz="2400" b="1" dirty="0" smtClean="0"/>
+              <a:t>Addition</a:t>
+            </a:r>
+            <a:endParaRPr lang="en-US" sz="2400" dirty="0"/>
+          </a:p>
+        </p:txBody>
+      </p:sp>
+      <p:sp>
+        <p:nvSpPr>
+          <p:cNvPr id="6" name="TextBox 5"/>
+          <p:cNvSpPr txBox="1"/>
+          <p:nvPr/>
+        </p:nvSpPr>
+        <p:spPr>
+          <a:xfrm>
+            <a:off x="647700" y="3180481"/>
+            <a:ext cx="7848600" cy="1938992"/>
+          </a:xfrm>
+          <a:prstGeom prst="rect">
+            <a:avLst/>
+          </a:prstGeom>
+          <a:noFill/>
+        </p:spPr>
+        <p:txBody>
+          <a:bodyPr wrap="square" rtlCol="0">
+            <a:spAutoFit/>
+          </a:bodyPr>
+          <a:lstStyle/>
+          <a:p>
+            <a:pPr marL="285750" indent="-285750">
+              <a:buFont typeface="Arial" charset="0"/>
+              <a:buChar char="•"/>
+            </a:pPr>
+            <a:r>
+              <a:rPr lang="en-US" sz="2400" dirty="0" smtClean="0"/>
+              <a:t>     </a:t>
+            </a:r>
+            <a:r>
+              <a:rPr lang="en-US" sz="2400" dirty="0" err="1" smtClean="0"/>
+              <a:t>Đối</a:t>
+            </a:r>
+            <a:r>
+              <a:rPr lang="en-US" sz="2400" dirty="0" smtClean="0"/>
+              <a:t> </a:t>
+            </a:r>
+            <a:r>
+              <a:rPr lang="en-US" sz="2400" dirty="0" err="1"/>
+              <a:t>với</a:t>
+            </a:r>
+            <a:r>
+              <a:rPr lang="en-US" sz="2400" dirty="0"/>
+              <a:t> </a:t>
+            </a:r>
+            <a:r>
+              <a:rPr lang="en-US" sz="2400" dirty="0" err="1"/>
+              <a:t>cộng</a:t>
+            </a:r>
+            <a:r>
+              <a:rPr lang="en-US" sz="2400" dirty="0"/>
+              <a:t> 2 </a:t>
+            </a:r>
+            <a:r>
+              <a:rPr lang="en-US" sz="2400" dirty="0" err="1"/>
+              <a:t>số</a:t>
+            </a:r>
+            <a:r>
+              <a:rPr lang="en-US" sz="2400" dirty="0"/>
+              <a:t> </a:t>
+            </a:r>
+            <a:r>
+              <a:rPr lang="en-US" sz="2400" dirty="0" err="1"/>
+              <a:t>có</a:t>
+            </a:r>
+            <a:r>
+              <a:rPr lang="en-US" sz="2400" dirty="0"/>
+              <a:t> </a:t>
+            </a:r>
+            <a:r>
+              <a:rPr lang="en-US" sz="2400" dirty="0" err="1"/>
+              <a:t>cùng</a:t>
+            </a:r>
+            <a:r>
+              <a:rPr lang="en-US" sz="2400" dirty="0"/>
+              <a:t> </a:t>
+            </a:r>
+            <a:r>
+              <a:rPr lang="en-US" sz="2400" dirty="0" err="1"/>
+              <a:t>dấu</a:t>
+            </a:r>
+            <a:r>
+              <a:rPr lang="en-US" sz="2400" dirty="0"/>
+              <a:t>, </a:t>
+            </a:r>
+            <a:r>
+              <a:rPr lang="en-US" sz="2400" dirty="0" err="1"/>
+              <a:t>thì</a:t>
+            </a:r>
+            <a:r>
+              <a:rPr lang="en-US" sz="2400" dirty="0"/>
+              <a:t> ta </a:t>
+            </a:r>
+            <a:r>
+              <a:rPr lang="en-US" sz="2400" dirty="0" err="1"/>
+              <a:t>chỉ</a:t>
+            </a:r>
+            <a:r>
+              <a:rPr lang="en-US" sz="2400" dirty="0"/>
+              <a:t> </a:t>
+            </a:r>
+            <a:r>
+              <a:rPr lang="en-US" sz="2400" dirty="0" err="1"/>
+              <a:t>việc</a:t>
+            </a:r>
+            <a:r>
+              <a:rPr lang="en-US" sz="2400" dirty="0"/>
+              <a:t> </a:t>
+            </a:r>
+            <a:r>
+              <a:rPr lang="en-US" sz="2400" dirty="0" err="1"/>
+              <a:t>cộng</a:t>
+            </a:r>
+            <a:r>
+              <a:rPr lang="en-US" sz="2400" dirty="0"/>
+              <a:t> 2 </a:t>
+            </a:r>
+            <a:r>
+              <a:rPr lang="en-US" sz="2400" dirty="0" err="1"/>
+              <a:t>độ</a:t>
+            </a:r>
+            <a:r>
+              <a:rPr lang="en-US" sz="2400" dirty="0"/>
+              <a:t> </a:t>
+            </a:r>
+            <a:r>
+              <a:rPr lang="en-US" sz="2400" dirty="0" err="1"/>
+              <a:t>lớn</a:t>
+            </a:r>
+            <a:r>
+              <a:rPr lang="en-US" sz="2400" dirty="0"/>
+              <a:t> </a:t>
+            </a:r>
+            <a:r>
+              <a:rPr lang="en-US" sz="2400" dirty="0" err="1"/>
+              <a:t>của</a:t>
+            </a:r>
+            <a:r>
+              <a:rPr lang="en-US" sz="2400" dirty="0"/>
+              <a:t> 2 </a:t>
+            </a:r>
+            <a:r>
+              <a:rPr lang="en-US" sz="2400" dirty="0" err="1"/>
+              <a:t>số</a:t>
+            </a:r>
+            <a:r>
+              <a:rPr lang="en-US" sz="2400" dirty="0"/>
+              <a:t> </a:t>
+            </a:r>
+            <a:r>
+              <a:rPr lang="en-US" sz="2400" dirty="0" err="1"/>
+              <a:t>lại</a:t>
+            </a:r>
+            <a:r>
+              <a:rPr lang="en-US" sz="2400" dirty="0"/>
+              <a:t> </a:t>
+            </a:r>
+            <a:r>
+              <a:rPr lang="en-US" sz="2400" dirty="0" err="1"/>
+              <a:t>với</a:t>
+            </a:r>
+            <a:r>
+              <a:rPr lang="en-US" sz="2400" dirty="0"/>
+              <a:t> </a:t>
+            </a:r>
+            <a:r>
+              <a:rPr lang="en-US" sz="2400" dirty="0" err="1"/>
+              <a:t>nhau</a:t>
+            </a:r>
+            <a:r>
+              <a:rPr lang="en-US" sz="2400" dirty="0"/>
+              <a:t> </a:t>
+            </a:r>
+            <a:r>
+              <a:rPr lang="en-US" sz="2400" dirty="0" err="1"/>
+              <a:t>và</a:t>
+            </a:r>
+            <a:r>
+              <a:rPr lang="en-US" sz="2400" dirty="0"/>
+              <a:t> </a:t>
+            </a:r>
+            <a:r>
+              <a:rPr lang="en-US" sz="2400" dirty="0" err="1"/>
+              <a:t>sau</a:t>
+            </a:r>
+            <a:r>
+              <a:rPr lang="en-US" sz="2400" dirty="0"/>
+              <a:t> </a:t>
+            </a:r>
+            <a:r>
+              <a:rPr lang="en-US" sz="2400" dirty="0" err="1"/>
+              <a:t>đó</a:t>
+            </a:r>
+            <a:r>
+              <a:rPr lang="en-US" sz="2400" dirty="0"/>
+              <a:t> </a:t>
+            </a:r>
+            <a:r>
+              <a:rPr lang="en-US" sz="2400" dirty="0" err="1"/>
+              <a:t>chúng</a:t>
+            </a:r>
+            <a:r>
+              <a:rPr lang="en-US" sz="2400" dirty="0"/>
+              <a:t> ta </a:t>
+            </a:r>
+            <a:r>
+              <a:rPr lang="en-US" sz="2400" dirty="0" err="1"/>
+              <a:t>đặt</a:t>
+            </a:r>
+            <a:r>
+              <a:rPr lang="en-US" sz="2400" dirty="0"/>
+              <a:t> bit </a:t>
+            </a:r>
+            <a:r>
+              <a:rPr lang="en-US" sz="2400" dirty="0" err="1"/>
+              <a:t>dấu</a:t>
+            </a:r>
+            <a:r>
+              <a:rPr lang="en-US" sz="2400" dirty="0"/>
+              <a:t> </a:t>
+            </a:r>
+            <a:r>
+              <a:rPr lang="en-US" sz="2400" dirty="0" err="1"/>
+              <a:t>ở</a:t>
+            </a:r>
+            <a:r>
+              <a:rPr lang="en-US" sz="2400" dirty="0"/>
+              <a:t> </a:t>
+            </a:r>
+            <a:r>
+              <a:rPr lang="en-US" sz="2400" dirty="0" err="1"/>
+              <a:t>bên</a:t>
+            </a:r>
+            <a:r>
+              <a:rPr lang="en-US" sz="2400" dirty="0"/>
+              <a:t> </a:t>
+            </a:r>
+            <a:r>
+              <a:rPr lang="en-US" sz="2400" dirty="0" err="1"/>
+              <a:t>trái</a:t>
+            </a:r>
+            <a:r>
+              <a:rPr lang="en-US" sz="2400" dirty="0"/>
+              <a:t> </a:t>
+            </a:r>
+            <a:r>
+              <a:rPr lang="en-US" sz="2400" dirty="0" err="1"/>
+              <a:t>kết</a:t>
+            </a:r>
+            <a:r>
+              <a:rPr lang="en-US" sz="2400" dirty="0"/>
+              <a:t> </a:t>
+            </a:r>
+            <a:r>
+              <a:rPr lang="en-US" sz="2400" dirty="0" err="1"/>
+              <a:t>quả</a:t>
+            </a:r>
+            <a:r>
+              <a:rPr lang="en-US" sz="2400" dirty="0"/>
+              <a:t>.</a:t>
+            </a:r>
+          </a:p>
+          <a:p>
+            <a:pPr marL="285750" indent="-285750">
+              <a:buFont typeface="Arial" charset="0"/>
+              <a:buChar char="•"/>
+            </a:pPr>
+            <a:r>
+              <a:rPr lang="en-US" sz="2400" dirty="0" smtClean="0"/>
+              <a:t>     </a:t>
+            </a:r>
+            <a:r>
+              <a:rPr lang="en-US" sz="2400" dirty="0" err="1" smtClean="0"/>
+              <a:t>Đối</a:t>
+            </a:r>
+            <a:r>
+              <a:rPr lang="en-US" sz="2400" dirty="0" smtClean="0"/>
+              <a:t> </a:t>
+            </a:r>
+            <a:r>
+              <a:rPr lang="en-US" sz="2400" dirty="0" err="1"/>
+              <a:t>với</a:t>
+            </a:r>
+            <a:r>
+              <a:rPr lang="en-US" sz="2400" dirty="0"/>
+              <a:t> </a:t>
+            </a:r>
+            <a:r>
+              <a:rPr lang="en-US" sz="2400" dirty="0" err="1"/>
+              <a:t>cộng</a:t>
+            </a:r>
+            <a:r>
+              <a:rPr lang="en-US" sz="2400" dirty="0"/>
+              <a:t> 2 </a:t>
+            </a:r>
+            <a:r>
+              <a:rPr lang="en-US" sz="2400" dirty="0" err="1"/>
+              <a:t>số</a:t>
+            </a:r>
+            <a:r>
+              <a:rPr lang="en-US" sz="2400" dirty="0"/>
+              <a:t> </a:t>
+            </a:r>
+            <a:r>
+              <a:rPr lang="en-US" sz="2400" dirty="0" err="1"/>
+              <a:t>khác</a:t>
+            </a:r>
+            <a:r>
+              <a:rPr lang="en-US" sz="2400" dirty="0"/>
+              <a:t> </a:t>
+            </a:r>
+            <a:r>
+              <a:rPr lang="en-US" sz="2400" dirty="0" err="1"/>
+              <a:t>dấu</a:t>
+            </a:r>
+            <a:r>
+              <a:rPr lang="en-US" sz="2400" dirty="0"/>
+              <a:t>, ta </a:t>
+            </a:r>
+            <a:r>
+              <a:rPr lang="en-US" sz="2400" dirty="0" err="1"/>
+              <a:t>phải</a:t>
+            </a:r>
+            <a:r>
+              <a:rPr lang="en-US" sz="2400" dirty="0"/>
+              <a:t> </a:t>
+            </a:r>
+            <a:r>
+              <a:rPr lang="en-US" sz="2400" dirty="0" err="1"/>
+              <a:t>xác</a:t>
+            </a:r>
+            <a:r>
+              <a:rPr lang="en-US" sz="2400" dirty="0"/>
+              <a:t> </a:t>
+            </a:r>
+            <a:r>
+              <a:rPr lang="en-US" sz="2400" dirty="0" err="1"/>
+              <a:t>định</a:t>
+            </a:r>
+            <a:r>
+              <a:rPr lang="en-US" sz="2400" dirty="0"/>
+              <a:t> </a:t>
+            </a:r>
+            <a:r>
+              <a:rPr lang="en-US" sz="2400" dirty="0" err="1"/>
+              <a:t>xem</a:t>
+            </a:r>
+            <a:r>
+              <a:rPr lang="en-US" sz="2400" dirty="0"/>
+              <a:t> </a:t>
+            </a:r>
+            <a:r>
+              <a:rPr lang="en-US" sz="2400" dirty="0" err="1"/>
+              <a:t>số</a:t>
+            </a:r>
+            <a:r>
+              <a:rPr lang="en-US" sz="2400" dirty="0"/>
+              <a:t> </a:t>
+            </a:r>
+            <a:r>
+              <a:rPr lang="en-US" sz="2400" dirty="0" err="1"/>
+              <a:t>nào</a:t>
+            </a:r>
+            <a:r>
+              <a:rPr lang="en-US" sz="2400" dirty="0"/>
+              <a:t> </a:t>
+            </a:r>
+            <a:r>
+              <a:rPr lang="en-US" sz="2400" dirty="0" err="1"/>
+              <a:t>có</a:t>
+            </a:r>
+            <a:r>
+              <a:rPr lang="en-US" sz="2400" dirty="0"/>
+              <a:t> </a:t>
+            </a:r>
+            <a:r>
+              <a:rPr lang="en-US" sz="2400" dirty="0" err="1"/>
+              <a:t>giá</a:t>
+            </a:r>
+            <a:r>
+              <a:rPr lang="en-US" sz="2400" dirty="0"/>
+              <a:t> </a:t>
+            </a:r>
+            <a:r>
+              <a:rPr lang="en-US" sz="2400" dirty="0" err="1"/>
+              <a:t>trị</a:t>
+            </a:r>
+            <a:r>
+              <a:rPr lang="en-US" sz="2400" dirty="0"/>
+              <a:t> </a:t>
+            </a:r>
+            <a:r>
+              <a:rPr lang="en-US" sz="2400" dirty="0" err="1"/>
+              <a:t>lớn</a:t>
+            </a:r>
+            <a:r>
+              <a:rPr lang="en-US" sz="2400" dirty="0"/>
+              <a:t> </a:t>
+            </a:r>
+            <a:r>
+              <a:rPr lang="en-US" sz="2400" dirty="0" err="1"/>
+              <a:t>hơn</a:t>
+            </a:r>
+            <a:r>
+              <a:rPr lang="en-US" sz="2400" dirty="0"/>
+              <a:t> </a:t>
+            </a:r>
+            <a:r>
+              <a:rPr lang="en-US" sz="2400" dirty="0" err="1"/>
+              <a:t>rồi</a:t>
+            </a:r>
+            <a:r>
+              <a:rPr lang="en-US" sz="2400" dirty="0"/>
+              <a:t> </a:t>
+            </a:r>
+            <a:r>
+              <a:rPr lang="en-US" sz="2400" dirty="0" err="1"/>
+              <a:t>đem</a:t>
+            </a:r>
+            <a:r>
+              <a:rPr lang="en-US" sz="2400" dirty="0"/>
+              <a:t> </a:t>
+            </a:r>
+            <a:r>
+              <a:rPr lang="en-US" sz="2400" dirty="0" err="1"/>
+              <a:t>trừ</a:t>
+            </a:r>
+            <a:r>
+              <a:rPr lang="en-US" sz="2400" dirty="0"/>
+              <a:t> </a:t>
+            </a:r>
+            <a:r>
+              <a:rPr lang="en-US" sz="2400" dirty="0" err="1"/>
+              <a:t>cho</a:t>
+            </a:r>
+            <a:r>
+              <a:rPr lang="en-US" sz="2400" dirty="0"/>
+              <a:t> </a:t>
+            </a:r>
+            <a:r>
+              <a:rPr lang="en-US" sz="2400" dirty="0" err="1"/>
+              <a:t>số</a:t>
+            </a:r>
+            <a:r>
+              <a:rPr lang="en-US" sz="2400" dirty="0"/>
+              <a:t> </a:t>
+            </a:r>
+            <a:r>
+              <a:rPr lang="en-US" sz="2400" dirty="0" err="1"/>
+              <a:t>còn</a:t>
+            </a:r>
+            <a:r>
+              <a:rPr lang="en-US" sz="2400" dirty="0"/>
+              <a:t> </a:t>
+            </a:r>
+            <a:r>
+              <a:rPr lang="en-US" sz="2400" dirty="0" err="1"/>
+              <a:t>lại</a:t>
+            </a:r>
+            <a:r>
+              <a:rPr lang="en-US" sz="2400" dirty="0" smtClean="0"/>
+              <a:t>.</a:t>
+            </a:r>
+            <a:endParaRPr lang="en-US" sz="2400" dirty="0"/>
+          </a:p>
+        </p:txBody>
+      </p:sp>
+    </p:spTree>
+    <p:extLst>
+      <p:ext uri="{BB962C8B-B14F-4D97-AF65-F5344CB8AC3E}">
+        <p14:creationId xmlns:p14="http://schemas.microsoft.com/office/powerpoint/2010/main" val="1398295499"/>
+      </p:ext>
+    </p:extLst>
+  </p:cSld>
+  <p:clrMapOvr>
+    <a:masterClrMapping/>
+  </p:clrMapOvr>
+  <p:timing>
+    <p:tnLst>
+      <p:par>
+        <p:cTn id="1" dur="indefinite" restart="never" nodeType="tmRoot"/>
+      </p:par>
+    </p:tnLst>
+  </p:timing>
+</p:sld>
+</file>
+
+<file path=ppt/slides/slide31.xml><?xml version="1.0" encoding="utf-8"?>
+<p:sld xmlns:a="http://schemas.openxmlformats.org/drawingml/2006/main" xmlns:r="http://schemas.openxmlformats.org/officeDocument/2006/relationships" xmlns:p="http://schemas.openxmlformats.org/presentationml/2006/main">
+  <p:cSld>
+    <p:spTree>
+      <p:nvGrpSpPr>
+        <p:cNvPr id="1" name=""/>
+        <p:cNvGrpSpPr/>
+        <p:nvPr/>
+      </p:nvGrpSpPr>
+      <p:grpSpPr>
+        <a:xfrm>
+          <a:off x="0" y="0"/>
+          <a:ext cx="0" cy="0"/>
+          <a:chOff x="0" y="0"/>
+          <a:chExt cx="0" cy="0"/>
+        </a:xfrm>
+      </p:grpSpPr>
+      <p:sp>
+        <p:nvSpPr>
+          <p:cNvPr id="4" name="Title 1"/>
+          <p:cNvSpPr>
+            <a:spLocks noGrp="1"/>
+          </p:cNvSpPr>
+          <p:nvPr>
+            <p:ph type="title"/>
+          </p:nvPr>
+        </p:nvSpPr>
+        <p:spPr>
+          <a:xfrm>
+            <a:off x="457200" y="228600"/>
+            <a:ext cx="8229600" cy="1143000"/>
+          </a:xfrm>
+        </p:spPr>
+        <p:style>
+          <a:lnRef idx="0">
+            <a:schemeClr val="dk1"/>
+          </a:lnRef>
+          <a:fillRef idx="3">
+            <a:schemeClr val="dk1"/>
+          </a:fillRef>
+          <a:effectRef idx="3">
+            <a:schemeClr val="dk1"/>
+          </a:effectRef>
+          <a:fontRef idx="minor">
+            <a:schemeClr val="lt1"/>
+          </a:fontRef>
+        </p:style>
+        <p:txBody>
+          <a:bodyPr/>
+          <a:lstStyle/>
+          <a:p>
+            <a:r>
+              <a:rPr lang="vi-VN" dirty="0" smtClean="0"/>
+              <a:t>Phép cộng và phép trừ</a:t>
+            </a:r>
+            <a:endParaRPr lang="en-US" dirty="0"/>
+          </a:p>
+        </p:txBody>
+      </p:sp>
+      <p:sp>
+        <p:nvSpPr>
+          <p:cNvPr id="5" name="TextBox 4"/>
+          <p:cNvSpPr txBox="1"/>
+          <p:nvPr/>
+        </p:nvSpPr>
+        <p:spPr>
+          <a:xfrm>
+            <a:off x="838200" y="1752600"/>
+            <a:ext cx="5943600" cy="738664"/>
+          </a:xfrm>
+          <a:prstGeom prst="rect">
+            <a:avLst/>
+          </a:prstGeom>
+          <a:noFill/>
+        </p:spPr>
+        <p:txBody>
+          <a:bodyPr wrap="square" rtlCol="0">
+            <a:spAutoFit/>
+          </a:bodyPr>
+          <a:lstStyle/>
+          <a:p>
+            <a:pPr lvl="0"/>
+            <a:r>
+              <a:rPr lang="en-US" sz="2400" b="1" dirty="0"/>
+              <a:t>1’s Complement Addition</a:t>
+            </a:r>
+            <a:endParaRPr lang="en-US" sz="2400" dirty="0"/>
+          </a:p>
+          <a:p>
+            <a:endParaRPr lang="en-US" dirty="0"/>
+          </a:p>
+        </p:txBody>
+      </p:sp>
+      <p:pic>
+        <p:nvPicPr>
+          <p:cNvPr id="6" name="Picture 5"/>
+          <p:cNvPicPr/>
+          <p:nvPr/>
+        </p:nvPicPr>
+        <p:blipFill>
+          <a:blip r:embed="rId2">
+            <a:extLst>
+              <a:ext uri="{28A0092B-C50C-407E-A947-70E740481C1C}">
+                <a14:useLocalDpi xmlns:a14="http://schemas.microsoft.com/office/drawing/2010/main" val="0"/>
+              </a:ext>
+            </a:extLst>
+          </a:blip>
+          <a:srcRect/>
+          <a:stretch>
+            <a:fillRect/>
+          </a:stretch>
+        </p:blipFill>
+        <p:spPr bwMode="auto">
+          <a:xfrm>
+            <a:off x="1752601" y="2286000"/>
+            <a:ext cx="6019800" cy="4142105"/>
+          </a:xfrm>
+          <a:prstGeom prst="rect">
+            <a:avLst/>
+          </a:prstGeom>
+          <a:noFill/>
+          <a:ln>
+            <a:noFill/>
+          </a:ln>
+        </p:spPr>
+      </p:pic>
+    </p:spTree>
+    <p:extLst>
+      <p:ext uri="{BB962C8B-B14F-4D97-AF65-F5344CB8AC3E}">
+        <p14:creationId xmlns:p14="http://schemas.microsoft.com/office/powerpoint/2010/main" val="260152959"/>
+      </p:ext>
+    </p:extLst>
+  </p:cSld>
+  <p:clrMapOvr>
+    <a:masterClrMapping/>
+  </p:clrMapOvr>
+  <p:timing>
+    <p:tnLst>
+      <p:par>
+        <p:cTn id="1" dur="indefinite" restart="never" nodeType="tmRoot"/>
+      </p:par>
+    </p:tnLst>
+  </p:timing>
+</p:sld>
+</file>
+
+<file path=ppt/slides/slide32.xml><?xml version="1.0" encoding="utf-8"?>
+<p:sld xmlns:a="http://schemas.openxmlformats.org/drawingml/2006/main" xmlns:r="http://schemas.openxmlformats.org/officeDocument/2006/relationships" xmlns:p="http://schemas.openxmlformats.org/presentationml/2006/main">
+  <p:cSld>
+    <p:spTree>
+      <p:nvGrpSpPr>
+        <p:cNvPr id="1" name=""/>
+        <p:cNvGrpSpPr/>
+        <p:nvPr/>
+      </p:nvGrpSpPr>
+      <p:grpSpPr>
+        <a:xfrm>
+          <a:off x="0" y="0"/>
+          <a:ext cx="0" cy="0"/>
+          <a:chOff x="0" y="0"/>
+          <a:chExt cx="0" cy="0"/>
+        </a:xfrm>
+      </p:grpSpPr>
+      <p:sp>
+        <p:nvSpPr>
+          <p:cNvPr id="4" name="Title 1"/>
+          <p:cNvSpPr>
+            <a:spLocks noGrp="1"/>
+          </p:cNvSpPr>
+          <p:nvPr>
+            <p:ph type="title"/>
+          </p:nvPr>
+        </p:nvSpPr>
+        <p:spPr>
+          <a:xfrm>
+            <a:off x="457200" y="228600"/>
+            <a:ext cx="8229600" cy="1143000"/>
+          </a:xfrm>
+        </p:spPr>
+        <p:style>
+          <a:lnRef idx="0">
+            <a:schemeClr val="dk1"/>
+          </a:lnRef>
+          <a:fillRef idx="3">
+            <a:schemeClr val="dk1"/>
+          </a:fillRef>
+          <a:effectRef idx="3">
+            <a:schemeClr val="dk1"/>
+          </a:effectRef>
+          <a:fontRef idx="minor">
+            <a:schemeClr val="lt1"/>
+          </a:fontRef>
+        </p:style>
+        <p:txBody>
+          <a:bodyPr/>
+          <a:lstStyle/>
+          <a:p>
+            <a:r>
+              <a:rPr lang="vi-VN" dirty="0" smtClean="0"/>
+              <a:t>Phép cộng và phép trừ</a:t>
+            </a:r>
+            <a:endParaRPr lang="en-US" dirty="0"/>
+          </a:p>
+        </p:txBody>
+      </p:sp>
+      <p:sp>
+        <p:nvSpPr>
+          <p:cNvPr id="5" name="TextBox 4"/>
+          <p:cNvSpPr txBox="1"/>
+          <p:nvPr/>
+        </p:nvSpPr>
+        <p:spPr>
+          <a:xfrm>
+            <a:off x="838200" y="1752600"/>
+            <a:ext cx="5943600" cy="738664"/>
+          </a:xfrm>
+          <a:prstGeom prst="rect">
+            <a:avLst/>
+          </a:prstGeom>
+          <a:noFill/>
+        </p:spPr>
+        <p:txBody>
+          <a:bodyPr wrap="square" rtlCol="0">
+            <a:spAutoFit/>
+          </a:bodyPr>
+          <a:lstStyle/>
+          <a:p>
+            <a:pPr lvl="0"/>
+            <a:r>
+              <a:rPr lang="en-US" sz="2400" b="1" dirty="0"/>
+              <a:t>2</a:t>
+            </a:r>
+            <a:r>
+              <a:rPr lang="en-US" sz="2400" b="1" dirty="0" smtClean="0"/>
+              <a:t>’s </a:t>
+            </a:r>
+            <a:r>
+              <a:rPr lang="en-US" sz="2400" b="1" dirty="0"/>
+              <a:t>Complement Addition</a:t>
+            </a:r>
+            <a:endParaRPr lang="en-US" sz="2400" dirty="0"/>
+          </a:p>
+          <a:p>
+            <a:endParaRPr lang="en-US" dirty="0"/>
+          </a:p>
+        </p:txBody>
+      </p:sp>
+      <p:pic>
+        <p:nvPicPr>
+          <p:cNvPr id="7" name="Picture 6"/>
+          <p:cNvPicPr/>
+          <p:nvPr/>
+        </p:nvPicPr>
+        <p:blipFill>
+          <a:blip r:embed="rId2">
+            <a:extLst>
+              <a:ext uri="{28A0092B-C50C-407E-A947-70E740481C1C}">
+                <a14:useLocalDpi xmlns:a14="http://schemas.microsoft.com/office/drawing/2010/main" val="0"/>
+              </a:ext>
+            </a:extLst>
+          </a:blip>
+          <a:srcRect/>
+          <a:stretch>
+            <a:fillRect/>
+          </a:stretch>
+        </p:blipFill>
+        <p:spPr bwMode="auto">
+          <a:xfrm>
+            <a:off x="1676400" y="2518696"/>
+            <a:ext cx="5791200" cy="4075716"/>
+          </a:xfrm>
+          <a:prstGeom prst="rect">
+            <a:avLst/>
+          </a:prstGeom>
+          <a:noFill/>
+          <a:ln>
+            <a:noFill/>
+          </a:ln>
+        </p:spPr>
+      </p:pic>
+    </p:spTree>
+    <p:extLst>
+      <p:ext uri="{BB962C8B-B14F-4D97-AF65-F5344CB8AC3E}">
+        <p14:creationId xmlns:p14="http://schemas.microsoft.com/office/powerpoint/2010/main" val="349517445"/>
+      </p:ext>
+    </p:extLst>
+  </p:cSld>
+  <p:clrMapOvr>
+    <a:masterClrMapping/>
+  </p:clrMapOvr>
+  <p:timing>
+    <p:tnLst>
+      <p:par>
+        <p:cTn id="1" dur="indefinite" restart="never" nodeType="tmRoot"/>
+      </p:par>
+    </p:tnLst>
+  </p:timing>
+</p:sld>
+</file>
+
+<file path=ppt/slides/slide33.xml><?xml version="1.0" encoding="utf-8"?>
+<p:sld xmlns:a="http://schemas.openxmlformats.org/drawingml/2006/main" xmlns:r="http://schemas.openxmlformats.org/officeDocument/2006/relationships" xmlns:p="http://schemas.openxmlformats.org/presentationml/2006/main">
+  <p:cSld>
+    <p:spTree>
+      <p:nvGrpSpPr>
+        <p:cNvPr id="1" name=""/>
+        <p:cNvGrpSpPr/>
+        <p:nvPr/>
+      </p:nvGrpSpPr>
+      <p:grpSpPr>
+        <a:xfrm>
+          <a:off x="0" y="0"/>
+          <a:ext cx="0" cy="0"/>
+          <a:chOff x="0" y="0"/>
+          <a:chExt cx="0" cy="0"/>
+        </a:xfrm>
+      </p:grpSpPr>
+      <p:sp>
+        <p:nvSpPr>
+          <p:cNvPr id="4" name="Title 1"/>
+          <p:cNvSpPr>
+            <a:spLocks noGrp="1"/>
+          </p:cNvSpPr>
+          <p:nvPr>
+            <p:ph type="title"/>
+          </p:nvPr>
+        </p:nvSpPr>
+        <p:spPr>
+          <a:xfrm>
+            <a:off x="457200" y="228600"/>
+            <a:ext cx="8229600" cy="1143000"/>
+          </a:xfrm>
+        </p:spPr>
+        <p:style>
+          <a:lnRef idx="0">
+            <a:schemeClr val="dk1"/>
+          </a:lnRef>
+          <a:fillRef idx="3">
+            <a:schemeClr val="dk1"/>
+          </a:fillRef>
+          <a:effectRef idx="3">
+            <a:schemeClr val="dk1"/>
+          </a:effectRef>
+          <a:fontRef idx="minor">
+            <a:schemeClr val="lt1"/>
+          </a:fontRef>
+        </p:style>
+        <p:txBody>
+          <a:bodyPr/>
+          <a:lstStyle/>
+          <a:p>
+            <a:r>
+              <a:rPr lang="vi-VN" dirty="0" smtClean="0"/>
+              <a:t>Phép cộng và phép trừ</a:t>
+            </a:r>
+            <a:endParaRPr lang="en-US" dirty="0"/>
+          </a:p>
+        </p:txBody>
+      </p:sp>
+      <p:sp>
+        <p:nvSpPr>
+          <p:cNvPr id="5" name="TextBox 4"/>
+          <p:cNvSpPr txBox="1"/>
+          <p:nvPr/>
+        </p:nvSpPr>
+        <p:spPr>
+          <a:xfrm>
+            <a:off x="838200" y="1752600"/>
+            <a:ext cx="5943600" cy="738664"/>
+          </a:xfrm>
+          <a:prstGeom prst="rect">
+            <a:avLst/>
+          </a:prstGeom>
+          <a:noFill/>
+        </p:spPr>
+        <p:txBody>
+          <a:bodyPr wrap="square" rtlCol="0">
+            <a:spAutoFit/>
+          </a:bodyPr>
+          <a:lstStyle/>
+          <a:p>
+            <a:pPr lvl="0"/>
+            <a:r>
+              <a:rPr lang="en-US" sz="2400" b="1" dirty="0"/>
+              <a:t>2</a:t>
+            </a:r>
+            <a:r>
+              <a:rPr lang="en-US" sz="2400" b="1" dirty="0" smtClean="0"/>
+              <a:t>’s </a:t>
+            </a:r>
+            <a:r>
+              <a:rPr lang="en-US" sz="2400" b="1" dirty="0"/>
+              <a:t>Complement </a:t>
+            </a:r>
+            <a:r>
+              <a:rPr lang="vi-VN" sz="2400" b="1" dirty="0" smtClean="0"/>
+              <a:t>Subtraction</a:t>
+            </a:r>
+            <a:endParaRPr lang="en-US" sz="2400" dirty="0"/>
+          </a:p>
+          <a:p>
+            <a:endParaRPr lang="en-US" dirty="0"/>
+          </a:p>
+        </p:txBody>
+      </p:sp>
+      <p:pic>
+        <p:nvPicPr>
+          <p:cNvPr id="6" name="Picture 5"/>
+          <p:cNvPicPr/>
+          <p:nvPr/>
+        </p:nvPicPr>
+        <p:blipFill>
+          <a:blip r:embed="rId2">
+            <a:extLst>
+              <a:ext uri="{28A0092B-C50C-407E-A947-70E740481C1C}">
+                <a14:useLocalDpi xmlns:a14="http://schemas.microsoft.com/office/drawing/2010/main" val="0"/>
+              </a:ext>
+            </a:extLst>
+          </a:blip>
+          <a:srcRect/>
+          <a:stretch>
+            <a:fillRect/>
+          </a:stretch>
+        </p:blipFill>
+        <p:spPr bwMode="auto">
+          <a:xfrm>
+            <a:off x="4789170" y="1524000"/>
+            <a:ext cx="3985260" cy="5178425"/>
+          </a:xfrm>
+          <a:prstGeom prst="rect">
+            <a:avLst/>
+          </a:prstGeom>
+          <a:noFill/>
+          <a:ln>
+            <a:noFill/>
+          </a:ln>
+        </p:spPr>
+      </p:pic>
+    </p:spTree>
+    <p:extLst>
+      <p:ext uri="{BB962C8B-B14F-4D97-AF65-F5344CB8AC3E}">
+        <p14:creationId xmlns:p14="http://schemas.microsoft.com/office/powerpoint/2010/main" val="452867621"/>
+      </p:ext>
+    </p:extLst>
+  </p:cSld>
+  <p:clrMapOvr>
+    <a:masterClrMapping/>
+  </p:clrMapOvr>
+  <p:timing>
+    <p:tnLst>
+      <p:par>
+        <p:cTn id="1" dur="indefinite" restart="never" nodeType="tmRoot"/>
+      </p:par>
+    </p:tnLst>
+  </p:timing>
+</p:sld>
+</file>
+
+<file path=ppt/slides/slide34.xml><?xml version="1.0" encoding="utf-8"?>
+<p:sld xmlns:a="http://schemas.openxmlformats.org/drawingml/2006/main" xmlns:r="http://schemas.openxmlformats.org/officeDocument/2006/relationships" xmlns:p="http://schemas.openxmlformats.org/presentationml/2006/main">
+  <p:cSld>
+    <p:spTree>
+      <p:nvGrpSpPr>
+        <p:cNvPr id="1" name=""/>
+        <p:cNvGrpSpPr/>
+        <p:nvPr/>
+      </p:nvGrpSpPr>
+      <p:grpSpPr>
+        <a:xfrm>
+          <a:off x="0" y="0"/>
+          <a:ext cx="0" cy="0"/>
+          <a:chOff x="0" y="0"/>
+          <a:chExt cx="0" cy="0"/>
+        </a:xfrm>
+      </p:grpSpPr>
+      <p:sp>
+        <p:nvSpPr>
+          <p:cNvPr id="4" name="Title 1"/>
+          <p:cNvSpPr>
+            <a:spLocks noGrp="1"/>
+          </p:cNvSpPr>
+          <p:nvPr>
+            <p:ph type="title"/>
+          </p:nvPr>
+        </p:nvSpPr>
+        <p:spPr>
+          <a:xfrm>
+            <a:off x="457200" y="228600"/>
+            <a:ext cx="8229600" cy="1143000"/>
+          </a:xfrm>
+        </p:spPr>
+        <p:style>
+          <a:lnRef idx="0">
+            <a:schemeClr val="dk1"/>
+          </a:lnRef>
+          <a:fillRef idx="3">
+            <a:schemeClr val="dk1"/>
+          </a:fillRef>
+          <a:effectRef idx="3">
+            <a:schemeClr val="dk1"/>
+          </a:effectRef>
+          <a:fontRef idx="minor">
+            <a:schemeClr val="lt1"/>
+          </a:fontRef>
+        </p:style>
+        <p:txBody>
+          <a:bodyPr/>
+          <a:lstStyle/>
+          <a:p>
+            <a:r>
+              <a:rPr lang="vi-VN" dirty="0" smtClean="0"/>
+              <a:t>Phép cộng và phép trừ</a:t>
+            </a:r>
+            <a:endParaRPr lang="en-US" dirty="0"/>
+          </a:p>
+        </p:txBody>
+      </p:sp>
+      <p:pic>
+        <p:nvPicPr>
+          <p:cNvPr id="5" name="Picture 4"/>
+          <p:cNvPicPr/>
+          <p:nvPr/>
+        </p:nvPicPr>
+        <p:blipFill>
+          <a:blip r:embed="rId2">
+            <a:extLst>
+              <a:ext uri="{28A0092B-C50C-407E-A947-70E740481C1C}">
+                <a14:useLocalDpi xmlns:a14="http://schemas.microsoft.com/office/drawing/2010/main" val="0"/>
+              </a:ext>
+            </a:extLst>
+          </a:blip>
+          <a:srcRect/>
+          <a:stretch>
+            <a:fillRect/>
+          </a:stretch>
+        </p:blipFill>
+        <p:spPr bwMode="auto">
+          <a:xfrm>
+            <a:off x="1562100" y="1600200"/>
+            <a:ext cx="6134100" cy="5017453"/>
+          </a:xfrm>
+          <a:prstGeom prst="rect">
+            <a:avLst/>
+          </a:prstGeom>
+          <a:noFill/>
+          <a:ln>
+            <a:noFill/>
+          </a:ln>
+        </p:spPr>
+      </p:pic>
+    </p:spTree>
+    <p:extLst>
+      <p:ext uri="{BB962C8B-B14F-4D97-AF65-F5344CB8AC3E}">
+        <p14:creationId xmlns:p14="http://schemas.microsoft.com/office/powerpoint/2010/main" val="382697713"/>
+      </p:ext>
+    </p:extLst>
+  </p:cSld>
+  <p:clrMapOvr>
+    <a:masterClrMapping/>
+  </p:clrMapOvr>
+  <p:timing>
+    <p:tnLst>
+      <p:par>
+        <p:cTn id="1" dur="indefinite" restart="never" nodeType="tmRoot"/>
+      </p:par>
+    </p:tnLst>
+  </p:timing>
+</p:sld>
+</file>
+
+<file path=ppt/slides/slide35.xml><?xml version="1.0" encoding="utf-8"?>
+<p:sld xmlns:a="http://schemas.openxmlformats.org/drawingml/2006/main" xmlns:r="http://schemas.openxmlformats.org/officeDocument/2006/relationships" xmlns:p="http://schemas.openxmlformats.org/presentationml/2006/main">
+  <p:cSld>
+    <p:spTree>
+      <p:nvGrpSpPr>
+        <p:cNvPr id="1" name=""/>
+        <p:cNvGrpSpPr/>
+        <p:nvPr/>
+      </p:nvGrpSpPr>
+      <p:grpSpPr>
+        <a:xfrm>
+          <a:off x="0" y="0"/>
+          <a:ext cx="0" cy="0"/>
+          <a:chOff x="0" y="0"/>
+          <a:chExt cx="0" cy="0"/>
+        </a:xfrm>
+      </p:grpSpPr>
+      <p:sp>
+        <p:nvSpPr>
+          <p:cNvPr id="4" name="Title 1"/>
+          <p:cNvSpPr>
+            <a:spLocks noGrp="1"/>
+          </p:cNvSpPr>
+          <p:nvPr>
+            <p:ph type="title"/>
+          </p:nvPr>
+        </p:nvSpPr>
+        <p:spPr>
+          <a:xfrm>
+            <a:off x="457200" y="228600"/>
+            <a:ext cx="8229600" cy="1143000"/>
+          </a:xfrm>
+        </p:spPr>
+        <p:style>
+          <a:lnRef idx="0">
+            <a:schemeClr val="dk1"/>
+          </a:lnRef>
+          <a:fillRef idx="3">
+            <a:schemeClr val="dk1"/>
+          </a:fillRef>
+          <a:effectRef idx="3">
+            <a:schemeClr val="dk1"/>
+          </a:effectRef>
+          <a:fontRef idx="minor">
+            <a:schemeClr val="lt1"/>
+          </a:fontRef>
+        </p:style>
+        <p:txBody>
+          <a:bodyPr/>
+          <a:lstStyle/>
+          <a:p>
+            <a:r>
+              <a:rPr lang="vi-VN" dirty="0" smtClean="0"/>
+              <a:t>Bộ đơn vị cộng và trừ</a:t>
+            </a:r>
+            <a:endParaRPr lang="en-US" dirty="0"/>
+          </a:p>
+        </p:txBody>
+      </p:sp>
+      <p:pic>
+        <p:nvPicPr>
+          <p:cNvPr id="5" name="Picture 4"/>
+          <p:cNvPicPr/>
+          <p:nvPr/>
+        </p:nvPicPr>
+        <p:blipFill>
+          <a:blip r:embed="rId2">
+            <a:extLst>
+              <a:ext uri="{28A0092B-C50C-407E-A947-70E740481C1C}">
+                <a14:useLocalDpi xmlns:a14="http://schemas.microsoft.com/office/drawing/2010/main" val="0"/>
+              </a:ext>
+            </a:extLst>
+          </a:blip>
+          <a:stretch>
+            <a:fillRect/>
+          </a:stretch>
+        </p:blipFill>
+        <p:spPr>
+          <a:xfrm>
+            <a:off x="876300" y="1676400"/>
+            <a:ext cx="7391400" cy="4572000"/>
+          </a:xfrm>
+          <a:prstGeom prst="rect">
+            <a:avLst/>
+          </a:prstGeom>
+        </p:spPr>
+      </p:pic>
+    </p:spTree>
+    <p:extLst>
+      <p:ext uri="{BB962C8B-B14F-4D97-AF65-F5344CB8AC3E}">
+        <p14:creationId xmlns:p14="http://schemas.microsoft.com/office/powerpoint/2010/main" val="1414829150"/>
+      </p:ext>
+    </p:extLst>
+  </p:cSld>
+  <p:clrMapOvr>
+    <a:masterClrMapping/>
+  </p:clrMapOvr>
+  <p:timing>
+    <p:tnLst>
+      <p:par>
+        <p:cTn id="1" dur="indefinite" restart="never" nodeType="tmRoot"/>
+      </p:par>
+    </p:tnLst>
+  </p:timing>
+</p:sld>
+</file>
+
+<file path=ppt/slides/slide36.xml><?xml version="1.0" encoding="utf-8"?>
+<p:sld xmlns:a="http://schemas.openxmlformats.org/drawingml/2006/main" xmlns:r="http://schemas.openxmlformats.org/officeDocument/2006/relationships" xmlns:p="http://schemas.openxmlformats.org/presentationml/2006/main">
+  <p:cSld>
+    <p:spTree>
+      <p:nvGrpSpPr>
+        <p:cNvPr id="1" name=""/>
+        <p:cNvGrpSpPr/>
+        <p:nvPr/>
+      </p:nvGrpSpPr>
+      <p:grpSpPr>
+        <a:xfrm>
+          <a:off x="0" y="0"/>
+          <a:ext cx="0" cy="0"/>
+          <a:chOff x="0" y="0"/>
+          <a:chExt cx="0" cy="0"/>
+        </a:xfrm>
+      </p:grpSpPr>
+      <p:sp>
+        <p:nvSpPr>
+          <p:cNvPr id="4" name="Title 1"/>
+          <p:cNvSpPr>
+            <a:spLocks noGrp="1"/>
+          </p:cNvSpPr>
+          <p:nvPr>
+            <p:ph type="title"/>
+          </p:nvPr>
+        </p:nvSpPr>
+        <p:spPr>
+          <a:xfrm>
+            <a:off x="457200" y="228600"/>
+            <a:ext cx="8229600" cy="1143000"/>
+          </a:xfrm>
+        </p:spPr>
+        <p:style>
+          <a:lnRef idx="0">
+            <a:schemeClr val="dk1"/>
+          </a:lnRef>
+          <a:fillRef idx="3">
+            <a:schemeClr val="dk1"/>
+          </a:fillRef>
+          <a:effectRef idx="3">
+            <a:schemeClr val="dk1"/>
+          </a:effectRef>
+          <a:fontRef idx="minor">
+            <a:schemeClr val="lt1"/>
+          </a:fontRef>
+        </p:style>
+        <p:txBody>
+          <a:bodyPr/>
+          <a:lstStyle/>
+          <a:p>
+            <a:r>
+              <a:rPr lang="vi-VN" dirty="0" smtClean="0"/>
+              <a:t>Bộ đơn vị cộng và trừ</a:t>
+            </a:r>
+            <a:endParaRPr lang="en-US" dirty="0"/>
+          </a:p>
+        </p:txBody>
+      </p:sp>
+      <p:sp>
+        <p:nvSpPr>
+          <p:cNvPr id="5" name="TextBox 4"/>
+          <p:cNvSpPr txBox="1"/>
+          <p:nvPr/>
+        </p:nvSpPr>
+        <p:spPr>
+          <a:xfrm>
+            <a:off x="2895600" y="3733800"/>
+            <a:ext cx="6705600" cy="584775"/>
+          </a:xfrm>
+          <a:prstGeom prst="rect">
+            <a:avLst/>
+          </a:prstGeom>
+          <a:noFill/>
+        </p:spPr>
+        <p:txBody>
+          <a:bodyPr wrap="square" rtlCol="0">
+            <a:spAutoFit/>
+          </a:bodyPr>
+          <a:lstStyle/>
+          <a:p>
+            <a:r>
+              <a:rPr lang="vi-VN" dirty="0"/>
+              <a:t>-</a:t>
+            </a:r>
+            <a:r>
+              <a:rPr lang="vi-VN" sz="3200" dirty="0"/>
+              <a:t>2</a:t>
+            </a:r>
+            <a:r>
+              <a:rPr lang="vi-VN" sz="3200" baseline="30000" dirty="0"/>
+              <a:t>n-1</a:t>
+            </a:r>
+            <a:r>
+              <a:rPr lang="vi-VN" sz="3200" dirty="0"/>
+              <a:t> </a:t>
+            </a:r>
+            <a:r>
+              <a:rPr lang="vi-VN" sz="3200" dirty="0" smtClean="0"/>
+              <a:t>&lt; </a:t>
+            </a:r>
+            <a:r>
+              <a:rPr lang="vi-VN" sz="3200" dirty="0" smtClean="0"/>
+              <a:t>N &lt;</a:t>
+            </a:r>
+            <a:r>
+              <a:rPr lang="vi-VN" sz="3200" dirty="0" smtClean="0"/>
+              <a:t> </a:t>
+            </a:r>
+            <a:r>
+              <a:rPr lang="vi-VN" sz="3200" dirty="0"/>
+              <a:t>2</a:t>
+            </a:r>
+            <a:r>
+              <a:rPr lang="vi-VN" sz="3200" baseline="30000" dirty="0"/>
+              <a:t>n-1</a:t>
+            </a:r>
+            <a:r>
+              <a:rPr lang="vi-VN" sz="3200" dirty="0"/>
+              <a:t> – 1</a:t>
+            </a:r>
+            <a:endParaRPr lang="en-US" sz="3200" dirty="0"/>
+          </a:p>
+        </p:txBody>
+      </p:sp>
+    </p:spTree>
+    <p:extLst>
+      <p:ext uri="{BB962C8B-B14F-4D97-AF65-F5344CB8AC3E}">
+        <p14:creationId xmlns:p14="http://schemas.microsoft.com/office/powerpoint/2010/main" val="1679895436"/>
+      </p:ext>
+    </p:extLst>
+  </p:cSld>
+  <p:clrMapOvr>
+    <a:masterClrMapping/>
+  </p:clrMapOvr>
+  <p:timing>
+    <p:tnLst>
+      <p:par>
+        <p:cTn id="1" dur="indefinite" restart="never" nodeType="tmRoot"/>
+      </p:par>
+    </p:tnLst>
+  </p:timing>
+</p:sld>
+</file>
+
+<file path=ppt/slides/slide37.xml><?xml version="1.0" encoding="utf-8"?>
+<p:sld xmlns:a="http://schemas.openxmlformats.org/drawingml/2006/main" xmlns:r="http://schemas.openxmlformats.org/officeDocument/2006/relationships" xmlns:p="http://schemas.openxmlformats.org/presentationml/2006/main">
+  <p:cSld>
+    <p:spTree>
+      <p:nvGrpSpPr>
+        <p:cNvPr id="1" name=""/>
+        <p:cNvGrpSpPr/>
+        <p:nvPr/>
+      </p:nvGrpSpPr>
+      <p:grpSpPr>
+        <a:xfrm>
+          <a:off x="0" y="0"/>
+          <a:ext cx="0" cy="0"/>
+          <a:chOff x="0" y="0"/>
+          <a:chExt cx="0" cy="0"/>
+        </a:xfrm>
+      </p:grpSpPr>
+      <p:sp>
+        <p:nvSpPr>
+          <p:cNvPr id="4" name="Title 1"/>
+          <p:cNvSpPr>
+            <a:spLocks noGrp="1"/>
+          </p:cNvSpPr>
+          <p:nvPr>
+            <p:ph type="title"/>
+          </p:nvPr>
+        </p:nvSpPr>
+        <p:spPr>
+          <a:xfrm>
+            <a:off x="457200" y="228600"/>
+            <a:ext cx="8229600" cy="1143000"/>
+          </a:xfrm>
+        </p:spPr>
+        <p:style>
+          <a:lnRef idx="0">
+            <a:schemeClr val="dk1"/>
+          </a:lnRef>
+          <a:fillRef idx="3">
+            <a:schemeClr val="dk1"/>
+          </a:fillRef>
+          <a:effectRef idx="3">
+            <a:schemeClr val="dk1"/>
+          </a:effectRef>
+          <a:fontRef idx="minor">
+            <a:schemeClr val="lt1"/>
+          </a:fontRef>
+        </p:style>
+        <p:txBody>
+          <a:bodyPr/>
+          <a:lstStyle/>
+          <a:p>
+            <a:r>
+              <a:rPr lang="vi-VN" dirty="0" smtClean="0"/>
+              <a:t>Bộ đơn vị cộng và trừ</a:t>
+            </a:r>
+            <a:endParaRPr lang="en-US" dirty="0"/>
+          </a:p>
+        </p:txBody>
+      </p:sp>
+      <p:pic>
+        <p:nvPicPr>
+          <p:cNvPr id="5" name="Picture 4"/>
+          <p:cNvPicPr/>
+          <p:nvPr/>
+        </p:nvPicPr>
+        <p:blipFill>
+          <a:blip r:embed="rId2">
+            <a:extLst>
+              <a:ext uri="{28A0092B-C50C-407E-A947-70E740481C1C}">
+                <a14:useLocalDpi xmlns:a14="http://schemas.microsoft.com/office/drawing/2010/main" val="0"/>
+              </a:ext>
+            </a:extLst>
+          </a:blip>
+          <a:stretch>
+            <a:fillRect/>
+          </a:stretch>
+        </p:blipFill>
+        <p:spPr>
+          <a:xfrm>
+            <a:off x="914400" y="1524000"/>
+            <a:ext cx="7315199" cy="5029200"/>
+          </a:xfrm>
+          <a:prstGeom prst="rect">
+            <a:avLst/>
+          </a:prstGeom>
+        </p:spPr>
+      </p:pic>
+    </p:spTree>
+    <p:extLst>
+      <p:ext uri="{BB962C8B-B14F-4D97-AF65-F5344CB8AC3E}">
+        <p14:creationId xmlns:p14="http://schemas.microsoft.com/office/powerpoint/2010/main" val="1498617647"/>
+      </p:ext>
+    </p:extLst>
+  </p:cSld>
+  <p:clrMapOvr>
+    <a:masterClrMapping/>
+  </p:clrMapOvr>
+  <p:timing>
+    <p:tnLst>
+      <p:par>
+        <p:cTn id="1" dur="indefinite" restart="never" nodeType="tmRoot"/>
+      </p:par>
+    </p:tnLst>
+  </p:timing>
+</p:sld>
+</file>
+
+<file path=ppt/slides/slide38.xml><?xml version="1.0" encoding="utf-8"?>
+<p:sld xmlns:a="http://schemas.openxmlformats.org/drawingml/2006/main" xmlns:r="http://schemas.openxmlformats.org/officeDocument/2006/relationships" xmlns:p="http://schemas.openxmlformats.org/presentationml/2006/main">
+  <p:cSld>
+    <p:spTree>
+      <p:nvGrpSpPr>
+        <p:cNvPr id="1" name=""/>
+        <p:cNvGrpSpPr/>
+        <p:nvPr/>
+      </p:nvGrpSpPr>
+      <p:grpSpPr>
+        <a:xfrm>
+          <a:off x="0" y="0"/>
+          <a:ext cx="0" cy="0"/>
+          <a:chOff x="0" y="0"/>
+          <a:chExt cx="0" cy="0"/>
+        </a:xfrm>
+      </p:grpSpPr>
+      <p:sp>
+        <p:nvSpPr>
+          <p:cNvPr id="4" name="Title 1"/>
+          <p:cNvSpPr>
+            <a:spLocks noGrp="1"/>
+          </p:cNvSpPr>
+          <p:nvPr>
+            <p:ph type="title"/>
+          </p:nvPr>
+        </p:nvSpPr>
+        <p:spPr>
+          <a:xfrm>
+            <a:off x="457200" y="228600"/>
+            <a:ext cx="8229600" cy="1143000"/>
+          </a:xfrm>
+        </p:spPr>
+        <p:style>
+          <a:lnRef idx="0">
+            <a:schemeClr val="dk1"/>
+          </a:lnRef>
+          <a:fillRef idx="3">
+            <a:schemeClr val="dk1"/>
+          </a:fillRef>
+          <a:effectRef idx="3">
+            <a:schemeClr val="dk1"/>
+          </a:effectRef>
+          <a:fontRef idx="minor">
+            <a:schemeClr val="lt1"/>
+          </a:fontRef>
+        </p:style>
+        <p:txBody>
+          <a:bodyPr/>
+          <a:lstStyle/>
+          <a:p>
+            <a:r>
+              <a:rPr lang="vi-VN" dirty="0" smtClean="0"/>
+              <a:t>Bộ đơn vị cộng và trừ</a:t>
+            </a:r>
+            <a:endParaRPr lang="en-US" dirty="0"/>
+          </a:p>
+        </p:txBody>
+      </p:sp>
+      <p:pic>
+        <p:nvPicPr>
+          <p:cNvPr id="5" name="Picture 4"/>
+          <p:cNvPicPr>
+            <a:picLocks noChangeAspect="1"/>
+          </p:cNvPicPr>
+          <p:nvPr/>
+        </p:nvPicPr>
+        <p:blipFill>
+          <a:blip r:embed="rId2">
+            <a:extLst>
+              <a:ext uri="{28A0092B-C50C-407E-A947-70E740481C1C}">
+                <a14:useLocalDpi xmlns:a14="http://schemas.microsoft.com/office/drawing/2010/main" val="0"/>
+              </a:ext>
+            </a:extLst>
+          </a:blip>
+          <a:stretch>
+            <a:fillRect/>
+          </a:stretch>
+        </p:blipFill>
+        <p:spPr>
+          <a:xfrm>
+            <a:off x="1608282" y="2190750"/>
+            <a:ext cx="6156036" cy="1181100"/>
+          </a:xfrm>
+          <a:prstGeom prst="rect">
+            <a:avLst/>
+          </a:prstGeom>
+        </p:spPr>
+      </p:pic>
+      <p:pic>
+        <p:nvPicPr>
+          <p:cNvPr id="6" name="Picture 5"/>
+          <p:cNvPicPr>
+            <a:picLocks noChangeAspect="1"/>
+          </p:cNvPicPr>
+          <p:nvPr/>
+        </p:nvPicPr>
+        <p:blipFill>
+          <a:blip r:embed="rId3">
+            <a:extLst>
+              <a:ext uri="{28A0092B-C50C-407E-A947-70E740481C1C}">
+                <a14:useLocalDpi xmlns:a14="http://schemas.microsoft.com/office/drawing/2010/main" val="0"/>
+              </a:ext>
+            </a:extLst>
+          </a:blip>
+          <a:stretch>
+            <a:fillRect/>
+          </a:stretch>
+        </p:blipFill>
+        <p:spPr>
+          <a:xfrm>
+            <a:off x="838200" y="4191000"/>
+            <a:ext cx="7696200" cy="1282700"/>
+          </a:xfrm>
+          <a:prstGeom prst="rect">
+            <a:avLst/>
+          </a:prstGeom>
+        </p:spPr>
+      </p:pic>
+    </p:spTree>
+    <p:extLst>
+      <p:ext uri="{BB962C8B-B14F-4D97-AF65-F5344CB8AC3E}">
+        <p14:creationId xmlns:p14="http://schemas.microsoft.com/office/powerpoint/2010/main" val="1543755629"/>
+      </p:ext>
+    </p:extLst>
+  </p:cSld>
+  <p:clrMapOvr>
+    <a:masterClrMapping/>
+  </p:clrMapOvr>
+  <p:timing>
+    <p:tnLst>
+      <p:par>
+        <p:cTn id="1" dur="indefinite" restart="never" nodeType="tmRoot"/>
+      </p:par>
+    </p:tnLst>
+  </p:timing>
+</p:sld>
+</file>
+
+<file path=ppt/slides/slide39.xml><?xml version="1.0" encoding="utf-8"?>
+<p:sld xmlns:a="http://schemas.openxmlformats.org/drawingml/2006/main" xmlns:r="http://schemas.openxmlformats.org/officeDocument/2006/relationships" xmlns:p="http://schemas.openxmlformats.org/presentationml/2006/main">
+  <p:cSld>
+    <p:spTree>
+      <p:nvGrpSpPr>
+        <p:cNvPr id="1" name=""/>
+        <p:cNvGrpSpPr/>
+        <p:nvPr/>
+      </p:nvGrpSpPr>
+      <p:grpSpPr>
+        <a:xfrm>
+          <a:off x="0" y="0"/>
+          <a:ext cx="0" cy="0"/>
+          <a:chOff x="0" y="0"/>
+          <a:chExt cx="0" cy="0"/>
+        </a:xfrm>
+      </p:grpSpPr>
+    </p:spTree>
+    <p:extLst>
+      <p:ext uri="{BB962C8B-B14F-4D97-AF65-F5344CB8AC3E}">
+        <p14:creationId xmlns:p14="http://schemas.microsoft.com/office/powerpoint/2010/main" val="561717988"/>
       </p:ext>
     </p:extLst>
   </p:cSld>
